--- a/ESA_2017.pptx
+++ b/ESA_2017.pptx
@@ -4,11 +4,19 @@
   <p:sldMasterIdLst>
     <p:sldMasterId id="2147483648" r:id="rId1"/>
   </p:sldMasterIdLst>
+  <p:notesMasterIdLst>
+    <p:notesMasterId r:id="rId11"/>
+  </p:notesMasterIdLst>
   <p:sldIdLst>
     <p:sldId id="256" r:id="rId2"/>
-    <p:sldId id="257" r:id="rId3"/>
-    <p:sldId id="258" r:id="rId4"/>
-    <p:sldId id="259" r:id="rId5"/>
+    <p:sldId id="262" r:id="rId3"/>
+    <p:sldId id="261" r:id="rId4"/>
+    <p:sldId id="257" r:id="rId5"/>
+    <p:sldId id="264" r:id="rId6"/>
+    <p:sldId id="258" r:id="rId7"/>
+    <p:sldId id="259" r:id="rId8"/>
+    <p:sldId id="263" r:id="rId9"/>
+    <p:sldId id="260" r:id="rId10"/>
   </p:sldIdLst>
   <p:sldSz cx="9144000" cy="6858000" type="screen4x3"/>
   <p:notesSz cx="6858000" cy="9144000"/>
@@ -110,6 +118,477 @@
 </p:presentation>
 </file>
 
+<file path=ppt/notesMasters/notesMaster1.xml><?xml version="1.0" encoding="utf-8"?>
+<p:notesMaster xmlns:a="http://schemas.openxmlformats.org/drawingml/2006/main" xmlns:r="http://schemas.openxmlformats.org/officeDocument/2006/relationships" xmlns:p="http://schemas.openxmlformats.org/presentationml/2006/main">
+  <p:cSld>
+    <p:bg>
+      <p:bgRef idx="1001">
+        <a:schemeClr val="bg1"/>
+      </p:bgRef>
+    </p:bg>
+    <p:spTree>
+      <p:nvGrpSpPr>
+        <p:cNvPr id="1" name=""/>
+        <p:cNvGrpSpPr/>
+        <p:nvPr/>
+      </p:nvGrpSpPr>
+      <p:grpSpPr>
+        <a:xfrm>
+          <a:off x="0" y="0"/>
+          <a:ext cx="0" cy="0"/>
+          <a:chOff x="0" y="0"/>
+          <a:chExt cx="0" cy="0"/>
+        </a:xfrm>
+      </p:grpSpPr>
+      <p:sp>
+        <p:nvSpPr>
+          <p:cNvPr id="2" name="Header Placeholder 1"/>
+          <p:cNvSpPr>
+            <a:spLocks noGrp="1"/>
+          </p:cNvSpPr>
+          <p:nvPr>
+            <p:ph type="hdr" sz="quarter"/>
+          </p:nvPr>
+        </p:nvSpPr>
+        <p:spPr>
+          <a:xfrm>
+            <a:off x="0" y="0"/>
+            <a:ext cx="2971800" cy="457200"/>
+          </a:xfrm>
+          <a:prstGeom prst="rect">
+            <a:avLst/>
+          </a:prstGeom>
+        </p:spPr>
+        <p:txBody>
+          <a:bodyPr vert="horz" lIns="91440" tIns="45720" rIns="91440" bIns="45720" rtlCol="0"/>
+          <a:lstStyle>
+            <a:lvl1pPr algn="l">
+              <a:defRPr sz="1200"/>
+            </a:lvl1pPr>
+          </a:lstStyle>
+          <a:p>
+            <a:endParaRPr lang="en-US"/>
+          </a:p>
+        </p:txBody>
+      </p:sp>
+      <p:sp>
+        <p:nvSpPr>
+          <p:cNvPr id="3" name="Date Placeholder 2"/>
+          <p:cNvSpPr>
+            <a:spLocks noGrp="1"/>
+          </p:cNvSpPr>
+          <p:nvPr>
+            <p:ph type="dt" idx="1"/>
+          </p:nvPr>
+        </p:nvSpPr>
+        <p:spPr>
+          <a:xfrm>
+            <a:off x="3884613" y="0"/>
+            <a:ext cx="2971800" cy="457200"/>
+          </a:xfrm>
+          <a:prstGeom prst="rect">
+            <a:avLst/>
+          </a:prstGeom>
+        </p:spPr>
+        <p:txBody>
+          <a:bodyPr vert="horz" lIns="91440" tIns="45720" rIns="91440" bIns="45720" rtlCol="0"/>
+          <a:lstStyle>
+            <a:lvl1pPr algn="r">
+              <a:defRPr sz="1200"/>
+            </a:lvl1pPr>
+          </a:lstStyle>
+          <a:p>
+            <a:fld id="{2DCCB774-A39C-AD47-8504-64DB24CAC6E0}" type="datetimeFigureOut">
+              <a:rPr lang="en-US" smtClean="0"/>
+              <a:t>17-07-18</a:t>
+            </a:fld>
+            <a:endParaRPr lang="en-US"/>
+          </a:p>
+        </p:txBody>
+      </p:sp>
+      <p:sp>
+        <p:nvSpPr>
+          <p:cNvPr id="4" name="Slide Image Placeholder 3"/>
+          <p:cNvSpPr>
+            <a:spLocks noGrp="1" noRot="1" noChangeAspect="1"/>
+          </p:cNvSpPr>
+          <p:nvPr>
+            <p:ph type="sldImg" idx="2"/>
+          </p:nvPr>
+        </p:nvSpPr>
+        <p:spPr>
+          <a:xfrm>
+            <a:off x="1143000" y="685800"/>
+            <a:ext cx="4572000" cy="3429000"/>
+          </a:xfrm>
+          <a:prstGeom prst="rect">
+            <a:avLst/>
+          </a:prstGeom>
+          <a:noFill/>
+          <a:ln w="12700">
+            <a:solidFill>
+              <a:prstClr val="black"/>
+            </a:solidFill>
+          </a:ln>
+        </p:spPr>
+        <p:txBody>
+          <a:bodyPr vert="horz" lIns="91440" tIns="45720" rIns="91440" bIns="45720" rtlCol="0" anchor="ctr"/>
+          <a:lstStyle/>
+          <a:p>
+            <a:endParaRPr lang="en-US"/>
+          </a:p>
+        </p:txBody>
+      </p:sp>
+      <p:sp>
+        <p:nvSpPr>
+          <p:cNvPr id="5" name="Notes Placeholder 4"/>
+          <p:cNvSpPr>
+            <a:spLocks noGrp="1"/>
+          </p:cNvSpPr>
+          <p:nvPr>
+            <p:ph type="body" sz="quarter" idx="3"/>
+          </p:nvPr>
+        </p:nvSpPr>
+        <p:spPr>
+          <a:xfrm>
+            <a:off x="685800" y="4343400"/>
+            <a:ext cx="5486400" cy="4114800"/>
+          </a:xfrm>
+          <a:prstGeom prst="rect">
+            <a:avLst/>
+          </a:prstGeom>
+        </p:spPr>
+        <p:txBody>
+          <a:bodyPr vert="horz" lIns="91440" tIns="45720" rIns="91440" bIns="45720" rtlCol="0"/>
+          <a:lstStyle/>
+          <a:p>
+            <a:pPr lvl="0"/>
+            <a:r>
+              <a:rPr lang="en-CA" smtClean="0"/>
+              <a:t>Click to edit Master text styles</a:t>
+            </a:r>
+          </a:p>
+          <a:p>
+            <a:pPr lvl="1"/>
+            <a:r>
+              <a:rPr lang="en-CA" smtClean="0"/>
+              <a:t>Second level</a:t>
+            </a:r>
+          </a:p>
+          <a:p>
+            <a:pPr lvl="2"/>
+            <a:r>
+              <a:rPr lang="en-CA" smtClean="0"/>
+              <a:t>Third level</a:t>
+            </a:r>
+          </a:p>
+          <a:p>
+            <a:pPr lvl="3"/>
+            <a:r>
+              <a:rPr lang="en-CA" smtClean="0"/>
+              <a:t>Fourth level</a:t>
+            </a:r>
+          </a:p>
+          <a:p>
+            <a:pPr lvl="4"/>
+            <a:r>
+              <a:rPr lang="en-CA" smtClean="0"/>
+              <a:t>Fifth level</a:t>
+            </a:r>
+            <a:endParaRPr lang="en-US"/>
+          </a:p>
+        </p:txBody>
+      </p:sp>
+      <p:sp>
+        <p:nvSpPr>
+          <p:cNvPr id="6" name="Footer Placeholder 5"/>
+          <p:cNvSpPr>
+            <a:spLocks noGrp="1"/>
+          </p:cNvSpPr>
+          <p:nvPr>
+            <p:ph type="ftr" sz="quarter" idx="4"/>
+          </p:nvPr>
+        </p:nvSpPr>
+        <p:spPr>
+          <a:xfrm>
+            <a:off x="0" y="8685213"/>
+            <a:ext cx="2971800" cy="457200"/>
+          </a:xfrm>
+          <a:prstGeom prst="rect">
+            <a:avLst/>
+          </a:prstGeom>
+        </p:spPr>
+        <p:txBody>
+          <a:bodyPr vert="horz" lIns="91440" tIns="45720" rIns="91440" bIns="45720" rtlCol="0" anchor="b"/>
+          <a:lstStyle>
+            <a:lvl1pPr algn="l">
+              <a:defRPr sz="1200"/>
+            </a:lvl1pPr>
+          </a:lstStyle>
+          <a:p>
+            <a:endParaRPr lang="en-US"/>
+          </a:p>
+        </p:txBody>
+      </p:sp>
+      <p:sp>
+        <p:nvSpPr>
+          <p:cNvPr id="7" name="Slide Number Placeholder 6"/>
+          <p:cNvSpPr>
+            <a:spLocks noGrp="1"/>
+          </p:cNvSpPr>
+          <p:nvPr>
+            <p:ph type="sldNum" sz="quarter" idx="5"/>
+          </p:nvPr>
+        </p:nvSpPr>
+        <p:spPr>
+          <a:xfrm>
+            <a:off x="3884613" y="8685213"/>
+            <a:ext cx="2971800" cy="457200"/>
+          </a:xfrm>
+          <a:prstGeom prst="rect">
+            <a:avLst/>
+          </a:prstGeom>
+        </p:spPr>
+        <p:txBody>
+          <a:bodyPr vert="horz" lIns="91440" tIns="45720" rIns="91440" bIns="45720" rtlCol="0" anchor="b"/>
+          <a:lstStyle>
+            <a:lvl1pPr algn="r">
+              <a:defRPr sz="1200"/>
+            </a:lvl1pPr>
+          </a:lstStyle>
+          <a:p>
+            <a:fld id="{EE767C92-0ACB-CC40-88B6-2B4628F13609}" type="slidenum">
+              <a:rPr lang="en-US" smtClean="0"/>
+              <a:t>‹#›</a:t>
+            </a:fld>
+            <a:endParaRPr lang="en-US"/>
+          </a:p>
+        </p:txBody>
+      </p:sp>
+    </p:spTree>
+    <p:extLst>
+      <p:ext uri="{BB962C8B-B14F-4D97-AF65-F5344CB8AC3E}">
+        <p14:creationId xmlns:p14="http://schemas.microsoft.com/office/powerpoint/2010/main" val="3746882185"/>
+      </p:ext>
+    </p:extLst>
+  </p:cSld>
+  <p:clrMap bg1="lt1" tx1="dk1" bg2="lt2" tx2="dk2" accent1="accent1" accent2="accent2" accent3="accent3" accent4="accent4" accent5="accent5" accent6="accent6" hlink="hlink" folHlink="folHlink"/>
+  <p:notesStyle>
+    <a:lvl1pPr marL="0" algn="l" defTabSz="457200" rtl="0" eaLnBrk="1" latinLnBrk="0" hangingPunct="1">
+      <a:defRPr sz="1200" kern="1200">
+        <a:solidFill>
+          <a:schemeClr val="tx1"/>
+        </a:solidFill>
+        <a:latin typeface="+mn-lt"/>
+        <a:ea typeface="+mn-ea"/>
+        <a:cs typeface="+mn-cs"/>
+      </a:defRPr>
+    </a:lvl1pPr>
+    <a:lvl2pPr marL="457200" algn="l" defTabSz="457200" rtl="0" eaLnBrk="1" latinLnBrk="0" hangingPunct="1">
+      <a:defRPr sz="1200" kern="1200">
+        <a:solidFill>
+          <a:schemeClr val="tx1"/>
+        </a:solidFill>
+        <a:latin typeface="+mn-lt"/>
+        <a:ea typeface="+mn-ea"/>
+        <a:cs typeface="+mn-cs"/>
+      </a:defRPr>
+    </a:lvl2pPr>
+    <a:lvl3pPr marL="914400" algn="l" defTabSz="457200" rtl="0" eaLnBrk="1" latinLnBrk="0" hangingPunct="1">
+      <a:defRPr sz="1200" kern="1200">
+        <a:solidFill>
+          <a:schemeClr val="tx1"/>
+        </a:solidFill>
+        <a:latin typeface="+mn-lt"/>
+        <a:ea typeface="+mn-ea"/>
+        <a:cs typeface="+mn-cs"/>
+      </a:defRPr>
+    </a:lvl3pPr>
+    <a:lvl4pPr marL="1371600" algn="l" defTabSz="457200" rtl="0" eaLnBrk="1" latinLnBrk="0" hangingPunct="1">
+      <a:defRPr sz="1200" kern="1200">
+        <a:solidFill>
+          <a:schemeClr val="tx1"/>
+        </a:solidFill>
+        <a:latin typeface="+mn-lt"/>
+        <a:ea typeface="+mn-ea"/>
+        <a:cs typeface="+mn-cs"/>
+      </a:defRPr>
+    </a:lvl4pPr>
+    <a:lvl5pPr marL="1828800" algn="l" defTabSz="457200" rtl="0" eaLnBrk="1" latinLnBrk="0" hangingPunct="1">
+      <a:defRPr sz="1200" kern="1200">
+        <a:solidFill>
+          <a:schemeClr val="tx1"/>
+        </a:solidFill>
+        <a:latin typeface="+mn-lt"/>
+        <a:ea typeface="+mn-ea"/>
+        <a:cs typeface="+mn-cs"/>
+      </a:defRPr>
+    </a:lvl5pPr>
+    <a:lvl6pPr marL="2286000" algn="l" defTabSz="457200" rtl="0" eaLnBrk="1" latinLnBrk="0" hangingPunct="1">
+      <a:defRPr sz="1200" kern="1200">
+        <a:solidFill>
+          <a:schemeClr val="tx1"/>
+        </a:solidFill>
+        <a:latin typeface="+mn-lt"/>
+        <a:ea typeface="+mn-ea"/>
+        <a:cs typeface="+mn-cs"/>
+      </a:defRPr>
+    </a:lvl6pPr>
+    <a:lvl7pPr marL="2743200" algn="l" defTabSz="457200" rtl="0" eaLnBrk="1" latinLnBrk="0" hangingPunct="1">
+      <a:defRPr sz="1200" kern="1200">
+        <a:solidFill>
+          <a:schemeClr val="tx1"/>
+        </a:solidFill>
+        <a:latin typeface="+mn-lt"/>
+        <a:ea typeface="+mn-ea"/>
+        <a:cs typeface="+mn-cs"/>
+      </a:defRPr>
+    </a:lvl7pPr>
+    <a:lvl8pPr marL="3200400" algn="l" defTabSz="457200" rtl="0" eaLnBrk="1" latinLnBrk="0" hangingPunct="1">
+      <a:defRPr sz="1200" kern="1200">
+        <a:solidFill>
+          <a:schemeClr val="tx1"/>
+        </a:solidFill>
+        <a:latin typeface="+mn-lt"/>
+        <a:ea typeface="+mn-ea"/>
+        <a:cs typeface="+mn-cs"/>
+      </a:defRPr>
+    </a:lvl8pPr>
+    <a:lvl9pPr marL="3657600" algn="l" defTabSz="457200" rtl="0" eaLnBrk="1" latinLnBrk="0" hangingPunct="1">
+      <a:defRPr sz="1200" kern="1200">
+        <a:solidFill>
+          <a:schemeClr val="tx1"/>
+        </a:solidFill>
+        <a:latin typeface="+mn-lt"/>
+        <a:ea typeface="+mn-ea"/>
+        <a:cs typeface="+mn-cs"/>
+      </a:defRPr>
+    </a:lvl9pPr>
+  </p:notesStyle>
+</p:notesMaster>
+</file>
+
+<file path=ppt/notesSlides/notesSlide1.xml><?xml version="1.0" encoding="utf-8"?>
+<p:notes xmlns:a="http://schemas.openxmlformats.org/drawingml/2006/main" xmlns:r="http://schemas.openxmlformats.org/officeDocument/2006/relationships" xmlns:p="http://schemas.openxmlformats.org/presentationml/2006/main">
+  <p:cSld>
+    <p:spTree>
+      <p:nvGrpSpPr>
+        <p:cNvPr id="1" name=""/>
+        <p:cNvGrpSpPr/>
+        <p:nvPr/>
+      </p:nvGrpSpPr>
+      <p:grpSpPr>
+        <a:xfrm>
+          <a:off x="0" y="0"/>
+          <a:ext cx="0" cy="0"/>
+          <a:chOff x="0" y="0"/>
+          <a:chExt cx="0" cy="0"/>
+        </a:xfrm>
+      </p:grpSpPr>
+      <p:sp>
+        <p:nvSpPr>
+          <p:cNvPr id="2" name="Slide Image Placeholder 1"/>
+          <p:cNvSpPr>
+            <a:spLocks noGrp="1" noRot="1" noChangeAspect="1"/>
+          </p:cNvSpPr>
+          <p:nvPr>
+            <p:ph type="sldImg"/>
+          </p:nvPr>
+        </p:nvSpPr>
+        <p:spPr/>
+      </p:sp>
+      <p:sp>
+        <p:nvSpPr>
+          <p:cNvPr id="3" name="Notes Placeholder 2"/>
+          <p:cNvSpPr>
+            <a:spLocks noGrp="1"/>
+          </p:cNvSpPr>
+          <p:nvPr>
+            <p:ph type="body" idx="1"/>
+          </p:nvPr>
+        </p:nvSpPr>
+        <p:spPr/>
+        <p:txBody>
+          <a:bodyPr/>
+          <a:lstStyle/>
+          <a:p>
+            <a:r>
+              <a:rPr lang="en-US" sz="1200" b="0" i="0" u="none" strike="noStrike" kern="1200" baseline="0" dirty="0" smtClean="0">
+                <a:solidFill>
+                  <a:schemeClr val="tx1"/>
+                </a:solidFill>
+                <a:latin typeface="+mn-lt"/>
+                <a:ea typeface="+mn-ea"/>
+                <a:cs typeface="+mn-cs"/>
+              </a:rPr>
+              <a:t>While there is no doubt that a changing climate induces differences</a:t>
+            </a:r>
+          </a:p>
+          <a:p>
+            <a:r>
+              <a:rPr lang="en-US" sz="1200" b="0" i="0" u="none" strike="noStrike" kern="1200" baseline="0" dirty="0" smtClean="0">
+                <a:solidFill>
+                  <a:schemeClr val="tx1"/>
+                </a:solidFill>
+                <a:latin typeface="+mn-lt"/>
+                <a:ea typeface="+mn-ea"/>
+                <a:cs typeface="+mn-cs"/>
+              </a:rPr>
+              <a:t>in the timing of predators and prey, the ecological ramifications</a:t>
+            </a:r>
+          </a:p>
+          <a:p>
+            <a:r>
+              <a:rPr lang="en-US" sz="1200" b="0" i="0" u="none" strike="noStrike" kern="1200" baseline="0" dirty="0" smtClean="0">
+                <a:solidFill>
+                  <a:schemeClr val="tx1"/>
+                </a:solidFill>
+                <a:latin typeface="+mn-lt"/>
+                <a:ea typeface="+mn-ea"/>
+                <a:cs typeface="+mn-cs"/>
+              </a:rPr>
+              <a:t>of this are far from clear.</a:t>
+            </a:r>
+            <a:endParaRPr lang="en-US" dirty="0"/>
+          </a:p>
+        </p:txBody>
+      </p:sp>
+      <p:sp>
+        <p:nvSpPr>
+          <p:cNvPr id="4" name="Slide Number Placeholder 3"/>
+          <p:cNvSpPr>
+            <a:spLocks noGrp="1"/>
+          </p:cNvSpPr>
+          <p:nvPr>
+            <p:ph type="sldNum" sz="quarter" idx="10"/>
+          </p:nvPr>
+        </p:nvSpPr>
+        <p:spPr/>
+        <p:txBody>
+          <a:bodyPr/>
+          <a:lstStyle/>
+          <a:p>
+            <a:fld id="{EE767C92-0ACB-CC40-88B6-2B4628F13609}" type="slidenum">
+              <a:rPr lang="en-US" smtClean="0"/>
+              <a:t>3</a:t>
+            </a:fld>
+            <a:endParaRPr lang="en-US"/>
+          </a:p>
+        </p:txBody>
+      </p:sp>
+    </p:spTree>
+    <p:extLst>
+      <p:ext uri="{BB962C8B-B14F-4D97-AF65-F5344CB8AC3E}">
+        <p14:creationId xmlns:p14="http://schemas.microsoft.com/office/powerpoint/2010/main" val="1481426292"/>
+      </p:ext>
+    </p:extLst>
+  </p:cSld>
+  <p:clrMapOvr>
+    <a:masterClrMapping/>
+  </p:clrMapOvr>
+</p:notes>
+</file>
+
 <file path=ppt/slideLayouts/slideLayout1.xml><?xml version="1.0" encoding="utf-8"?>
 <p:sldLayout xmlns:a="http://schemas.openxmlformats.org/drawingml/2006/main" xmlns:r="http://schemas.openxmlformats.org/officeDocument/2006/relationships" xmlns:p="http://schemas.openxmlformats.org/presentationml/2006/main" type="title" preserve="1">
   <p:cSld name="Title Slide">
@@ -291,7 +770,7 @@
           <a:p>
             <a:fld id="{1EFAB061-18BE-1C48-9B68-F111E5F33DFA}" type="datetimeFigureOut">
               <a:rPr lang="en-US" smtClean="0"/>
-              <a:t>17-07-14</a:t>
+              <a:t>17-07-18</a:t>
             </a:fld>
             <a:endParaRPr lang="en-US"/>
           </a:p>
@@ -461,7 +940,7 @@
           <a:p>
             <a:fld id="{1EFAB061-18BE-1C48-9B68-F111E5F33DFA}" type="datetimeFigureOut">
               <a:rPr lang="en-US" smtClean="0"/>
-              <a:t>17-07-14</a:t>
+              <a:t>17-07-18</a:t>
             </a:fld>
             <a:endParaRPr lang="en-US"/>
           </a:p>
@@ -641,7 +1120,7 @@
           <a:p>
             <a:fld id="{1EFAB061-18BE-1C48-9B68-F111E5F33DFA}" type="datetimeFigureOut">
               <a:rPr lang="en-US" smtClean="0"/>
-              <a:t>17-07-14</a:t>
+              <a:t>17-07-18</a:t>
             </a:fld>
             <a:endParaRPr lang="en-US"/>
           </a:p>
@@ -811,7 +1290,7 @@
           <a:p>
             <a:fld id="{1EFAB061-18BE-1C48-9B68-F111E5F33DFA}" type="datetimeFigureOut">
               <a:rPr lang="en-US" smtClean="0"/>
-              <a:t>17-07-14</a:t>
+              <a:t>17-07-18</a:t>
             </a:fld>
             <a:endParaRPr lang="en-US"/>
           </a:p>
@@ -1057,7 +1536,7 @@
           <a:p>
             <a:fld id="{1EFAB061-18BE-1C48-9B68-F111E5F33DFA}" type="datetimeFigureOut">
               <a:rPr lang="en-US" smtClean="0"/>
-              <a:t>17-07-14</a:t>
+              <a:t>17-07-18</a:t>
             </a:fld>
             <a:endParaRPr lang="en-US"/>
           </a:p>
@@ -1345,7 +1824,7 @@
           <a:p>
             <a:fld id="{1EFAB061-18BE-1C48-9B68-F111E5F33DFA}" type="datetimeFigureOut">
               <a:rPr lang="en-US" smtClean="0"/>
-              <a:t>17-07-14</a:t>
+              <a:t>17-07-18</a:t>
             </a:fld>
             <a:endParaRPr lang="en-US"/>
           </a:p>
@@ -1767,7 +2246,7 @@
           <a:p>
             <a:fld id="{1EFAB061-18BE-1C48-9B68-F111E5F33DFA}" type="datetimeFigureOut">
               <a:rPr lang="en-US" smtClean="0"/>
-              <a:t>17-07-14</a:t>
+              <a:t>17-07-18</a:t>
             </a:fld>
             <a:endParaRPr lang="en-US"/>
           </a:p>
@@ -1885,7 +2364,7 @@
           <a:p>
             <a:fld id="{1EFAB061-18BE-1C48-9B68-F111E5F33DFA}" type="datetimeFigureOut">
               <a:rPr lang="en-US" smtClean="0"/>
-              <a:t>17-07-14</a:t>
+              <a:t>17-07-18</a:t>
             </a:fld>
             <a:endParaRPr lang="en-US"/>
           </a:p>
@@ -1980,7 +2459,7 @@
           <a:p>
             <a:fld id="{1EFAB061-18BE-1C48-9B68-F111E5F33DFA}" type="datetimeFigureOut">
               <a:rPr lang="en-US" smtClean="0"/>
-              <a:t>17-07-14</a:t>
+              <a:t>17-07-18</a:t>
             </a:fld>
             <a:endParaRPr lang="en-US"/>
           </a:p>
@@ -2257,7 +2736,7 @@
           <a:p>
             <a:fld id="{1EFAB061-18BE-1C48-9B68-F111E5F33DFA}" type="datetimeFigureOut">
               <a:rPr lang="en-US" smtClean="0"/>
-              <a:t>17-07-14</a:t>
+              <a:t>17-07-18</a:t>
             </a:fld>
             <a:endParaRPr lang="en-US"/>
           </a:p>
@@ -2510,7 +2989,7 @@
           <a:p>
             <a:fld id="{1EFAB061-18BE-1C48-9B68-F111E5F33DFA}" type="datetimeFigureOut">
               <a:rPr lang="en-US" smtClean="0"/>
-              <a:t>17-07-14</a:t>
+              <a:t>17-07-18</a:t>
             </a:fld>
             <a:endParaRPr lang="en-US"/>
           </a:p>
@@ -2723,7 +3202,7 @@
           <a:p>
             <a:fld id="{1EFAB061-18BE-1C48-9B68-F111E5F33DFA}" type="datetimeFigureOut">
               <a:rPr lang="en-US" smtClean="0"/>
-              <a:t>17-07-14</a:t>
+              <a:t>17-07-18</a:t>
             </a:fld>
             <a:endParaRPr lang="en-US"/>
           </a:p>
@@ -3181,6 +3660,181 @@
           <a:bodyPr/>
           <a:lstStyle/>
           <a:p>
+            <a:endParaRPr lang="en-US"/>
+          </a:p>
+        </p:txBody>
+      </p:sp>
+      <p:sp>
+        <p:nvSpPr>
+          <p:cNvPr id="3" name="Content Placeholder 2"/>
+          <p:cNvSpPr>
+            <a:spLocks noGrp="1"/>
+          </p:cNvSpPr>
+          <p:nvPr>
+            <p:ph idx="1"/>
+          </p:nvPr>
+        </p:nvSpPr>
+        <p:spPr/>
+        <p:txBody>
+          <a:bodyPr/>
+          <a:lstStyle/>
+          <a:p>
+            <a:r>
+              <a:rPr lang="en-US" dirty="0" smtClean="0"/>
+              <a:t>Need to read:</a:t>
+            </a:r>
+          </a:p>
+          <a:p>
+            <a:pPr lvl="1"/>
+            <a:r>
+              <a:rPr lang="en-US" dirty="0" smtClean="0"/>
+              <a:t>Thackeray 2012- mismatching revisited: what is trophic mismatching from the perspective of the plankton</a:t>
+            </a:r>
+            <a:endParaRPr lang="en-US" dirty="0"/>
+          </a:p>
+        </p:txBody>
+      </p:sp>
+    </p:spTree>
+    <p:extLst>
+      <p:ext uri="{BB962C8B-B14F-4D97-AF65-F5344CB8AC3E}">
+        <p14:creationId xmlns:p14="http://schemas.microsoft.com/office/powerpoint/2010/main" val="1388728426"/>
+      </p:ext>
+    </p:extLst>
+  </p:cSld>
+  <p:clrMapOvr>
+    <a:masterClrMapping/>
+  </p:clrMapOvr>
+</p:sld>
+</file>
+
+<file path=ppt/slides/slide3.xml><?xml version="1.0" encoding="utf-8"?>
+<p:sld xmlns:a="http://schemas.openxmlformats.org/drawingml/2006/main" xmlns:r="http://schemas.openxmlformats.org/officeDocument/2006/relationships" xmlns:p="http://schemas.openxmlformats.org/presentationml/2006/main">
+  <p:cSld>
+    <p:spTree>
+      <p:nvGrpSpPr>
+        <p:cNvPr id="1" name=""/>
+        <p:cNvGrpSpPr/>
+        <p:nvPr/>
+      </p:nvGrpSpPr>
+      <p:grpSpPr>
+        <a:xfrm>
+          <a:off x="0" y="0"/>
+          <a:ext cx="0" cy="0"/>
+          <a:chOff x="0" y="0"/>
+          <a:chExt cx="0" cy="0"/>
+        </a:xfrm>
+      </p:grpSpPr>
+      <p:sp>
+        <p:nvSpPr>
+          <p:cNvPr id="2" name="Title 1"/>
+          <p:cNvSpPr>
+            <a:spLocks noGrp="1"/>
+          </p:cNvSpPr>
+          <p:nvPr>
+            <p:ph type="title"/>
+          </p:nvPr>
+        </p:nvSpPr>
+        <p:spPr/>
+        <p:txBody>
+          <a:bodyPr/>
+          <a:lstStyle/>
+          <a:p>
+            <a:endParaRPr lang="en-US"/>
+          </a:p>
+        </p:txBody>
+      </p:sp>
+      <p:sp>
+        <p:nvSpPr>
+          <p:cNvPr id="3" name="Content Placeholder 2"/>
+          <p:cNvSpPr>
+            <a:spLocks noGrp="1"/>
+          </p:cNvSpPr>
+          <p:nvPr>
+            <p:ph idx="1"/>
+          </p:nvPr>
+        </p:nvSpPr>
+        <p:spPr/>
+        <p:txBody>
+          <a:bodyPr/>
+          <a:lstStyle/>
+          <a:p>
+            <a:r>
+              <a:rPr lang="en-US" dirty="0"/>
+              <a:t>Cushing (1990) refined the ‘‘match–mismatch’’ hypothesis for </a:t>
+            </a:r>
+            <a:r>
+              <a:rPr lang="en-US" dirty="0" smtClean="0"/>
+              <a:t>marine fish</a:t>
+            </a:r>
+            <a:r>
+              <a:rPr lang="en-US" dirty="0"/>
+              <a:t>, whose spawning within a relatively narrow time </a:t>
+            </a:r>
+            <a:r>
+              <a:rPr lang="en-US" dirty="0" smtClean="0"/>
+              <a:t>window was </a:t>
+            </a:r>
+            <a:r>
+              <a:rPr lang="en-US" dirty="0"/>
+              <a:t>suggested to lead to their larvae either matching or </a:t>
+            </a:r>
+            <a:r>
+              <a:rPr lang="en-US" dirty="0" smtClean="0"/>
+              <a:t>missing the </a:t>
+            </a:r>
+            <a:r>
+              <a:rPr lang="en-US" dirty="0"/>
+              <a:t>subsequent peak of their zooplankton food</a:t>
+            </a:r>
+            <a:endParaRPr lang="en-US" dirty="0"/>
+          </a:p>
+        </p:txBody>
+      </p:sp>
+    </p:spTree>
+    <p:extLst>
+      <p:ext uri="{BB962C8B-B14F-4D97-AF65-F5344CB8AC3E}">
+        <p14:creationId xmlns:p14="http://schemas.microsoft.com/office/powerpoint/2010/main" val="1389570354"/>
+      </p:ext>
+    </p:extLst>
+  </p:cSld>
+  <p:clrMapOvr>
+    <a:masterClrMapping/>
+  </p:clrMapOvr>
+</p:sld>
+</file>
+
+<file path=ppt/slides/slide4.xml><?xml version="1.0" encoding="utf-8"?>
+<p:sld xmlns:a="http://schemas.openxmlformats.org/drawingml/2006/main" xmlns:r="http://schemas.openxmlformats.org/officeDocument/2006/relationships" xmlns:p="http://schemas.openxmlformats.org/presentationml/2006/main">
+  <p:cSld>
+    <p:spTree>
+      <p:nvGrpSpPr>
+        <p:cNvPr id="1" name=""/>
+        <p:cNvGrpSpPr/>
+        <p:nvPr/>
+      </p:nvGrpSpPr>
+      <p:grpSpPr>
+        <a:xfrm>
+          <a:off x="0" y="0"/>
+          <a:ext cx="0" cy="0"/>
+          <a:chOff x="0" y="0"/>
+          <a:chExt cx="0" cy="0"/>
+        </a:xfrm>
+      </p:grpSpPr>
+      <p:sp>
+        <p:nvSpPr>
+          <p:cNvPr id="2" name="Title 1"/>
+          <p:cNvSpPr>
+            <a:spLocks noGrp="1"/>
+          </p:cNvSpPr>
+          <p:nvPr>
+            <p:ph type="title"/>
+          </p:nvPr>
+        </p:nvSpPr>
+        <p:spPr/>
+        <p:txBody>
+          <a:bodyPr/>
+          <a:lstStyle/>
+          <a:p>
             <a:r>
               <a:rPr lang="en-US" dirty="0" smtClean="0"/>
               <a:t>Match-mismatch		</a:t>
@@ -3201,12 +3855,32 @@
         </p:nvSpPr>
         <p:spPr/>
         <p:txBody>
-          <a:bodyPr/>
+          <a:bodyPr>
+            <a:normAutofit fontScale="77500" lnSpcReduction="20000"/>
+          </a:bodyPr>
           <a:lstStyle/>
           <a:p>
             <a:r>
               <a:rPr lang="en-US" dirty="0" smtClean="0"/>
-              <a:t>Match-mismatch hypothesis states that if the most energetically expensive part of the breeding phenology of the higher level (i.e. the predator) occurs at the same time as the peak availability of the lower level (i.e. the prey) , then recruitment will be high. If there is a mismatch between food requirement and food availability , then survival and thus recruitment of the predator will decrease</a:t>
+              <a:t>Match-mismatch hypothesis states that if the most energetically expensive part of the breeding phenology of the higher level (i.e. the predator) occurs at the same time as the peak availability of the lower level (i.e. the prey) , then recruitment will be high. If there is a mismatch between food requirement and food availability , then survival and thus recruitment of the predator will </a:t>
+            </a:r>
+            <a:r>
+              <a:rPr lang="en-US" dirty="0" smtClean="0"/>
+              <a:t>decrease</a:t>
+            </a:r>
+          </a:p>
+          <a:p>
+            <a:r>
+              <a:rPr lang="en-US" dirty="0" smtClean="0"/>
+              <a:t>Hypothesis suggests that fitness is related to the degree of temporal synchrony between the energetic needs of the offspring and their food supply; </a:t>
+            </a:r>
+            <a:r>
+              <a:rPr lang="en-US" dirty="0" err="1" smtClean="0"/>
+              <a:t>teherfore</a:t>
+            </a:r>
+            <a:r>
+              <a:rPr lang="en-US" dirty="0" smtClean="0"/>
+              <a:t> fitness will be highest when the most energy consuming part of the breeding cycle coincides with the peak availability of the food</a:t>
             </a:r>
             <a:endParaRPr lang="en-US" dirty="0"/>
           </a:p>
@@ -3225,7 +3899,89 @@
 </p:sld>
 </file>
 
-<file path=ppt/slides/slide3.xml><?xml version="1.0" encoding="utf-8"?>
+<file path=ppt/slides/slide5.xml><?xml version="1.0" encoding="utf-8"?>
+<p:sld xmlns:a="http://schemas.openxmlformats.org/drawingml/2006/main" xmlns:r="http://schemas.openxmlformats.org/officeDocument/2006/relationships" xmlns:p="http://schemas.openxmlformats.org/presentationml/2006/main">
+  <p:cSld>
+    <p:spTree>
+      <p:nvGrpSpPr>
+        <p:cNvPr id="1" name=""/>
+        <p:cNvGrpSpPr/>
+        <p:nvPr/>
+      </p:nvGrpSpPr>
+      <p:grpSpPr>
+        <a:xfrm>
+          <a:off x="0" y="0"/>
+          <a:ext cx="0" cy="0"/>
+          <a:chOff x="0" y="0"/>
+          <a:chExt cx="0" cy="0"/>
+        </a:xfrm>
+      </p:grpSpPr>
+      <p:sp>
+        <p:nvSpPr>
+          <p:cNvPr id="2" name="Title 1"/>
+          <p:cNvSpPr>
+            <a:spLocks noGrp="1"/>
+          </p:cNvSpPr>
+          <p:nvPr>
+            <p:ph type="title"/>
+          </p:nvPr>
+        </p:nvSpPr>
+        <p:spPr/>
+        <p:txBody>
+          <a:bodyPr/>
+          <a:lstStyle/>
+          <a:p>
+            <a:r>
+              <a:rPr lang="en-US" dirty="0" smtClean="0"/>
+              <a:t>Approach</a:t>
+            </a:r>
+            <a:endParaRPr lang="en-US" dirty="0"/>
+          </a:p>
+        </p:txBody>
+      </p:sp>
+      <p:sp>
+        <p:nvSpPr>
+          <p:cNvPr id="3" name="Content Placeholder 2"/>
+          <p:cNvSpPr>
+            <a:spLocks noGrp="1"/>
+          </p:cNvSpPr>
+          <p:nvPr>
+            <p:ph idx="1"/>
+          </p:nvPr>
+        </p:nvSpPr>
+        <p:spPr/>
+        <p:txBody>
+          <a:bodyPr/>
+          <a:lstStyle/>
+          <a:p>
+            <a:r>
+              <a:rPr lang="en-US" dirty="0" smtClean="0"/>
+              <a:t>Use operational definition of mismatch</a:t>
+            </a:r>
+          </a:p>
+          <a:p>
+            <a:r>
+              <a:rPr lang="en-US" dirty="0" smtClean="0"/>
+              <a:t>Time-based definition</a:t>
+            </a:r>
+            <a:endParaRPr lang="en-US" dirty="0"/>
+          </a:p>
+        </p:txBody>
+      </p:sp>
+    </p:spTree>
+    <p:extLst>
+      <p:ext uri="{BB962C8B-B14F-4D97-AF65-F5344CB8AC3E}">
+        <p14:creationId xmlns:p14="http://schemas.microsoft.com/office/powerpoint/2010/main" val="2906184107"/>
+      </p:ext>
+    </p:extLst>
+  </p:cSld>
+  <p:clrMapOvr>
+    <a:masterClrMapping/>
+  </p:clrMapOvr>
+</p:sld>
+</file>
+
+<file path=ppt/slides/slide6.xml><?xml version="1.0" encoding="utf-8"?>
 <p:sld xmlns:a="http://schemas.openxmlformats.org/drawingml/2006/main" xmlns:r="http://schemas.openxmlformats.org/officeDocument/2006/relationships" xmlns:p="http://schemas.openxmlformats.org/presentationml/2006/main">
   <p:cSld>
     <p:spTree>
@@ -3328,7 +4084,7 @@
 </p:sld>
 </file>
 
-<file path=ppt/slides/slide4.xml><?xml version="1.0" encoding="utf-8"?>
+<file path=ppt/slides/slide7.xml><?xml version="1.0" encoding="utf-8"?>
 <p:sld xmlns:a="http://schemas.openxmlformats.org/drawingml/2006/main" xmlns:r="http://schemas.openxmlformats.org/officeDocument/2006/relationships" xmlns:p="http://schemas.openxmlformats.org/presentationml/2006/main">
   <p:cSld>
     <p:spTree>
@@ -3392,6 +4148,299 @@
     <p:extLst>
       <p:ext uri="{BB962C8B-B14F-4D97-AF65-F5344CB8AC3E}">
         <p14:creationId xmlns:p14="http://schemas.microsoft.com/office/powerpoint/2010/main" val="1666869869"/>
+      </p:ext>
+    </p:extLst>
+  </p:cSld>
+  <p:clrMapOvr>
+    <a:masterClrMapping/>
+  </p:clrMapOvr>
+</p:sld>
+</file>
+
+<file path=ppt/slides/slide8.xml><?xml version="1.0" encoding="utf-8"?>
+<p:sld xmlns:a="http://schemas.openxmlformats.org/drawingml/2006/main" xmlns:r="http://schemas.openxmlformats.org/officeDocument/2006/relationships" xmlns:p="http://schemas.openxmlformats.org/presentationml/2006/main">
+  <p:cSld>
+    <p:spTree>
+      <p:nvGrpSpPr>
+        <p:cNvPr id="1" name=""/>
+        <p:cNvGrpSpPr/>
+        <p:nvPr/>
+      </p:nvGrpSpPr>
+      <p:grpSpPr>
+        <a:xfrm>
+          <a:off x="0" y="0"/>
+          <a:ext cx="0" cy="0"/>
+          <a:chOff x="0" y="0"/>
+          <a:chExt cx="0" cy="0"/>
+        </a:xfrm>
+      </p:grpSpPr>
+      <p:sp>
+        <p:nvSpPr>
+          <p:cNvPr id="2" name="Title 1"/>
+          <p:cNvSpPr>
+            <a:spLocks noGrp="1"/>
+          </p:cNvSpPr>
+          <p:nvPr>
+            <p:ph type="title"/>
+          </p:nvPr>
+        </p:nvSpPr>
+        <p:spPr/>
+        <p:txBody>
+          <a:bodyPr/>
+          <a:lstStyle/>
+          <a:p>
+            <a:r>
+              <a:rPr lang="en-US" dirty="0" smtClean="0"/>
+              <a:t>Limitations</a:t>
+            </a:r>
+            <a:endParaRPr lang="en-US" dirty="0"/>
+          </a:p>
+        </p:txBody>
+      </p:sp>
+      <p:sp>
+        <p:nvSpPr>
+          <p:cNvPr id="3" name="Content Placeholder 2"/>
+          <p:cNvSpPr>
+            <a:spLocks noGrp="1"/>
+          </p:cNvSpPr>
+          <p:nvPr>
+            <p:ph idx="1"/>
+          </p:nvPr>
+        </p:nvSpPr>
+        <p:spPr/>
+        <p:txBody>
+          <a:bodyPr/>
+          <a:lstStyle/>
+          <a:p>
+            <a:r>
+              <a:rPr lang="en-US" dirty="0" smtClean="0"/>
+              <a:t>Proxies here might be crude index of actual success</a:t>
+            </a:r>
+          </a:p>
+          <a:p>
+            <a:r>
+              <a:rPr lang="en-US" dirty="0" smtClean="0"/>
+              <a:t>Did not incorporate </a:t>
+            </a:r>
+            <a:r>
+              <a:rPr lang="en-US" i="1" dirty="0" smtClean="0"/>
+              <a:t>amount</a:t>
+            </a:r>
+            <a:r>
+              <a:rPr lang="en-US" dirty="0" smtClean="0"/>
+              <a:t> of food or changes in amount, just timing (good timing but low food can be outweighed by poor timing but large amount- HMK003)</a:t>
+            </a:r>
+            <a:endParaRPr lang="en-US" dirty="0"/>
+          </a:p>
+        </p:txBody>
+      </p:sp>
+    </p:spTree>
+    <p:extLst>
+      <p:ext uri="{BB962C8B-B14F-4D97-AF65-F5344CB8AC3E}">
+        <p14:creationId xmlns:p14="http://schemas.microsoft.com/office/powerpoint/2010/main" val="1851830590"/>
+      </p:ext>
+    </p:extLst>
+  </p:cSld>
+  <p:clrMapOvr>
+    <a:masterClrMapping/>
+  </p:clrMapOvr>
+</p:sld>
+</file>
+
+<file path=ppt/slides/slide9.xml><?xml version="1.0" encoding="utf-8"?>
+<p:sld xmlns:a="http://schemas.openxmlformats.org/drawingml/2006/main" xmlns:r="http://schemas.openxmlformats.org/officeDocument/2006/relationships" xmlns:p="http://schemas.openxmlformats.org/presentationml/2006/main">
+  <p:cSld>
+    <p:spTree>
+      <p:nvGrpSpPr>
+        <p:cNvPr id="1" name=""/>
+        <p:cNvGrpSpPr/>
+        <p:nvPr/>
+      </p:nvGrpSpPr>
+      <p:grpSpPr>
+        <a:xfrm>
+          <a:off x="0" y="0"/>
+          <a:ext cx="0" cy="0"/>
+          <a:chOff x="0" y="0"/>
+          <a:chExt cx="0" cy="0"/>
+        </a:xfrm>
+      </p:grpSpPr>
+      <p:sp>
+        <p:nvSpPr>
+          <p:cNvPr id="2" name="Title 1"/>
+          <p:cNvSpPr>
+            <a:spLocks noGrp="1"/>
+          </p:cNvSpPr>
+          <p:nvPr>
+            <p:ph type="title"/>
+          </p:nvPr>
+        </p:nvSpPr>
+        <p:spPr/>
+        <p:txBody>
+          <a:bodyPr/>
+          <a:lstStyle/>
+          <a:p>
+            <a:r>
+              <a:rPr lang="en-US" dirty="0" smtClean="0"/>
+              <a:t>Discussion</a:t>
+            </a:r>
+            <a:endParaRPr lang="en-US" dirty="0"/>
+          </a:p>
+        </p:txBody>
+      </p:sp>
+      <p:sp>
+        <p:nvSpPr>
+          <p:cNvPr id="3" name="Content Placeholder 2"/>
+          <p:cNvSpPr>
+            <a:spLocks noGrp="1"/>
+          </p:cNvSpPr>
+          <p:nvPr>
+            <p:ph idx="1"/>
+          </p:nvPr>
+        </p:nvSpPr>
+        <p:spPr/>
+        <p:txBody>
+          <a:bodyPr>
+            <a:normAutofit fontScale="55000" lnSpcReduction="20000"/>
+          </a:bodyPr>
+          <a:lstStyle/>
+          <a:p>
+            <a:r>
+              <a:rPr lang="en-US" dirty="0" smtClean="0"/>
+              <a:t>Why its difficult  to evaluate overall and/or long-term consequences of mismatch</a:t>
+            </a:r>
+          </a:p>
+          <a:p>
+            <a:pPr lvl="1"/>
+            <a:r>
+              <a:rPr lang="en-US" dirty="0" smtClean="0"/>
+              <a:t>Age-size </a:t>
+            </a:r>
+            <a:r>
+              <a:rPr lang="en-US" dirty="0" err="1" smtClean="0"/>
+              <a:t>strucuture</a:t>
+            </a:r>
+            <a:r>
+              <a:rPr lang="en-US" dirty="0" smtClean="0"/>
+              <a:t> of population (via density dependence)</a:t>
+            </a:r>
+          </a:p>
+          <a:p>
+            <a:pPr lvl="1"/>
+            <a:r>
+              <a:rPr lang="en-US" dirty="0" smtClean="0"/>
+              <a:t>Individual vs. population level</a:t>
+            </a:r>
+          </a:p>
+          <a:p>
+            <a:pPr lvl="1"/>
+            <a:r>
+              <a:rPr lang="en-US" dirty="0" smtClean="0"/>
+              <a:t>Effect of other resources</a:t>
+            </a:r>
+          </a:p>
+          <a:p>
+            <a:pPr lvl="1"/>
+            <a:r>
+              <a:rPr lang="en-US" dirty="0" smtClean="0"/>
+              <a:t>Resilience- ability to overcome (e.g. generation time)</a:t>
+            </a:r>
+          </a:p>
+          <a:p>
+            <a:pPr lvl="1"/>
+            <a:r>
+              <a:rPr lang="en-US" dirty="0" smtClean="0"/>
+              <a:t>Life history tradeoffs- mistiming with optimum food may not be so selectively disadvantageous if this means a lower predation risk</a:t>
+            </a:r>
+          </a:p>
+          <a:p>
+            <a:r>
+              <a:rPr lang="en-US" dirty="0" smtClean="0"/>
+              <a:t>When is mismatch likely to be important?</a:t>
+            </a:r>
+          </a:p>
+          <a:p>
+            <a:pPr lvl="1"/>
+            <a:r>
+              <a:rPr lang="en-US" dirty="0" smtClean="0"/>
+              <a:t>Highly seasonal, pulsed systems</a:t>
+            </a:r>
+          </a:p>
+          <a:p>
+            <a:pPr lvl="1"/>
+            <a:r>
+              <a:rPr lang="en-US" dirty="0" smtClean="0"/>
+              <a:t>Specialist feeders</a:t>
+            </a:r>
+          </a:p>
+          <a:p>
+            <a:pPr lvl="1"/>
+            <a:r>
+              <a:rPr lang="en-US" dirty="0" smtClean="0"/>
+              <a:t>Narrow windows for consumers, narrow production pulses in resources</a:t>
+            </a:r>
+          </a:p>
+          <a:p>
+            <a:r>
+              <a:rPr lang="en-US" dirty="0" smtClean="0"/>
+              <a:t>When is mismatch likely NOT to be important?</a:t>
+            </a:r>
+          </a:p>
+          <a:p>
+            <a:pPr lvl="1"/>
+            <a:r>
+              <a:rPr lang="en-US" dirty="0" smtClean="0"/>
+              <a:t>Strong intraspecific competition</a:t>
+            </a:r>
+          </a:p>
+          <a:p>
+            <a:pPr lvl="1"/>
+            <a:r>
+              <a:rPr lang="en-US" dirty="0" smtClean="0"/>
+              <a:t>Less important when strong density dependence because overrun by environmental </a:t>
+            </a:r>
+            <a:r>
+              <a:rPr lang="en-US" dirty="0" err="1" smtClean="0"/>
+              <a:t>stochasticity</a:t>
+            </a:r>
+            <a:r>
+              <a:rPr lang="en-US" dirty="0" smtClean="0"/>
+              <a:t> more than phenology</a:t>
+            </a:r>
+          </a:p>
+          <a:p>
+            <a:pPr lvl="1"/>
+            <a:r>
+              <a:rPr lang="en-US" dirty="0" smtClean="0"/>
+              <a:t>Inter-annual variability in food quantity (and environment??)</a:t>
+            </a:r>
+          </a:p>
+          <a:p>
+            <a:pPr lvl="1"/>
+            <a:r>
+              <a:rPr lang="en-US" dirty="0" smtClean="0"/>
+              <a:t>High food baseline levels</a:t>
+            </a:r>
+          </a:p>
+          <a:p>
+            <a:pPr lvl="1"/>
+            <a:r>
+              <a:rPr lang="en-US" dirty="0" smtClean="0"/>
+              <a:t>Turnover rates and prolonged seasonal availability allowing extended periods of production</a:t>
+            </a:r>
+          </a:p>
+          <a:p>
+            <a:endParaRPr lang="en-US" dirty="0" smtClean="0"/>
+          </a:p>
+          <a:p>
+            <a:pPr lvl="1"/>
+            <a:endParaRPr lang="en-US" dirty="0"/>
+          </a:p>
+        </p:txBody>
+      </p:sp>
+    </p:spTree>
+    <p:extLst>
+      <p:ext uri="{BB962C8B-B14F-4D97-AF65-F5344CB8AC3E}">
+        <p14:creationId xmlns:p14="http://schemas.microsoft.com/office/powerpoint/2010/main" val="1558864254"/>
       </p:ext>
     </p:extLst>
   </p:cSld>
@@ -3719,4 +4768,324 @@
   </a:objectDefaults>
   <a:extraClrSchemeLst/>
 </a:theme>
+</file>
+
+<file path=ppt/theme/theme2.xml><?xml version="1.0" encoding="utf-8"?>
+<a:theme xmlns:a="http://schemas.openxmlformats.org/drawingml/2006/main" name="Office Theme">
+  <a:themeElements>
+    <a:clrScheme name="Office">
+      <a:dk1>
+        <a:sysClr val="windowText" lastClr="000000"/>
+      </a:dk1>
+      <a:lt1>
+        <a:sysClr val="window" lastClr="FFFFFF"/>
+      </a:lt1>
+      <a:dk2>
+        <a:srgbClr val="1F497D"/>
+      </a:dk2>
+      <a:lt2>
+        <a:srgbClr val="EEECE1"/>
+      </a:lt2>
+      <a:accent1>
+        <a:srgbClr val="4F81BD"/>
+      </a:accent1>
+      <a:accent2>
+        <a:srgbClr val="C0504D"/>
+      </a:accent2>
+      <a:accent3>
+        <a:srgbClr val="9BBB59"/>
+      </a:accent3>
+      <a:accent4>
+        <a:srgbClr val="8064A2"/>
+      </a:accent4>
+      <a:accent5>
+        <a:srgbClr val="4BACC6"/>
+      </a:accent5>
+      <a:accent6>
+        <a:srgbClr val="F79646"/>
+      </a:accent6>
+      <a:hlink>
+        <a:srgbClr val="0000FF"/>
+      </a:hlink>
+      <a:folHlink>
+        <a:srgbClr val="800080"/>
+      </a:folHlink>
+    </a:clrScheme>
+    <a:fontScheme name="Office">
+      <a:majorFont>
+        <a:latin typeface="Calibri"/>
+        <a:ea typeface=""/>
+        <a:cs typeface=""/>
+        <a:font script="Jpan" typeface="ＭＳ Ｐゴシック"/>
+        <a:font script="Hang" typeface="맑은 고딕"/>
+        <a:font script="Hans" typeface="宋体"/>
+        <a:font script="Hant" typeface="新細明體"/>
+        <a:font script="Arab" typeface="Times New Roman"/>
+        <a:font script="Hebr" typeface="Times New Roman"/>
+        <a:font script="Thai" typeface="Angsana New"/>
+        <a:font script="Ethi" typeface="Nyala"/>
+        <a:font script="Beng" typeface="Vrinda"/>
+        <a:font script="Gujr" typeface="Shruti"/>
+        <a:font script="Khmr" typeface="MoolBoran"/>
+        <a:font script="Knda" typeface="Tunga"/>
+        <a:font script="Guru" typeface="Raavi"/>
+        <a:font script="Cans" typeface="Euphemia"/>
+        <a:font script="Cher" typeface="Plantagenet Cherokee"/>
+        <a:font script="Yiii" typeface="Microsoft Yi Baiti"/>
+        <a:font script="Tibt" typeface="Microsoft Himalaya"/>
+        <a:font script="Thaa" typeface="MV Boli"/>
+        <a:font script="Deva" typeface="Mangal"/>
+        <a:font script="Telu" typeface="Gautami"/>
+        <a:font script="Taml" typeface="Latha"/>
+        <a:font script="Syrc" typeface="Estrangelo Edessa"/>
+        <a:font script="Orya" typeface="Kalinga"/>
+        <a:font script="Mlym" typeface="Kartika"/>
+        <a:font script="Laoo" typeface="DokChampa"/>
+        <a:font script="Sinh" typeface="Iskoola Pota"/>
+        <a:font script="Mong" typeface="Mongolian Baiti"/>
+        <a:font script="Viet" typeface="Times New Roman"/>
+        <a:font script="Uigh" typeface="Microsoft Uighur"/>
+        <a:font script="Geor" typeface="Sylfaen"/>
+      </a:majorFont>
+      <a:minorFont>
+        <a:latin typeface="Calibri"/>
+        <a:ea typeface=""/>
+        <a:cs typeface=""/>
+        <a:font script="Jpan" typeface="ＭＳ Ｐゴシック"/>
+        <a:font script="Hang" typeface="맑은 고딕"/>
+        <a:font script="Hans" typeface="宋体"/>
+        <a:font script="Hant" typeface="新細明體"/>
+        <a:font script="Arab" typeface="Arial"/>
+        <a:font script="Hebr" typeface="Arial"/>
+        <a:font script="Thai" typeface="Cordia New"/>
+        <a:font script="Ethi" typeface="Nyala"/>
+        <a:font script="Beng" typeface="Vrinda"/>
+        <a:font script="Gujr" typeface="Shruti"/>
+        <a:font script="Khmr" typeface="DaunPenh"/>
+        <a:font script="Knda" typeface="Tunga"/>
+        <a:font script="Guru" typeface="Raavi"/>
+        <a:font script="Cans" typeface="Euphemia"/>
+        <a:font script="Cher" typeface="Plantagenet Cherokee"/>
+        <a:font script="Yiii" typeface="Microsoft Yi Baiti"/>
+        <a:font script="Tibt" typeface="Microsoft Himalaya"/>
+        <a:font script="Thaa" typeface="MV Boli"/>
+        <a:font script="Deva" typeface="Mangal"/>
+        <a:font script="Telu" typeface="Gautami"/>
+        <a:font script="Taml" typeface="Latha"/>
+        <a:font script="Syrc" typeface="Estrangelo Edessa"/>
+        <a:font script="Orya" typeface="Kalinga"/>
+        <a:font script="Mlym" typeface="Kartika"/>
+        <a:font script="Laoo" typeface="DokChampa"/>
+        <a:font script="Sinh" typeface="Iskoola Pota"/>
+        <a:font script="Mong" typeface="Mongolian Baiti"/>
+        <a:font script="Viet" typeface="Arial"/>
+        <a:font script="Uigh" typeface="Microsoft Uighur"/>
+        <a:font script="Geor" typeface="Sylfaen"/>
+      </a:minorFont>
+    </a:fontScheme>
+    <a:fmtScheme name="Office">
+      <a:fillStyleLst>
+        <a:solidFill>
+          <a:schemeClr val="phClr"/>
+        </a:solidFill>
+        <a:gradFill rotWithShape="1">
+          <a:gsLst>
+            <a:gs pos="0">
+              <a:schemeClr val="phClr">
+                <a:tint val="50000"/>
+                <a:satMod val="300000"/>
+              </a:schemeClr>
+            </a:gs>
+            <a:gs pos="35000">
+              <a:schemeClr val="phClr">
+                <a:tint val="37000"/>
+                <a:satMod val="300000"/>
+              </a:schemeClr>
+            </a:gs>
+            <a:gs pos="100000">
+              <a:schemeClr val="phClr">
+                <a:tint val="15000"/>
+                <a:satMod val="350000"/>
+              </a:schemeClr>
+            </a:gs>
+          </a:gsLst>
+          <a:lin ang="16200000" scaled="1"/>
+        </a:gradFill>
+        <a:gradFill rotWithShape="1">
+          <a:gsLst>
+            <a:gs pos="0">
+              <a:schemeClr val="phClr">
+                <a:tint val="100000"/>
+                <a:shade val="100000"/>
+                <a:satMod val="130000"/>
+              </a:schemeClr>
+            </a:gs>
+            <a:gs pos="100000">
+              <a:schemeClr val="phClr">
+                <a:tint val="50000"/>
+                <a:shade val="100000"/>
+                <a:satMod val="350000"/>
+              </a:schemeClr>
+            </a:gs>
+          </a:gsLst>
+          <a:lin ang="16200000" scaled="0"/>
+        </a:gradFill>
+      </a:fillStyleLst>
+      <a:lnStyleLst>
+        <a:ln w="9525" cap="flat" cmpd="sng" algn="ctr">
+          <a:solidFill>
+            <a:schemeClr val="phClr">
+              <a:shade val="95000"/>
+              <a:satMod val="105000"/>
+            </a:schemeClr>
+          </a:solidFill>
+          <a:prstDash val="solid"/>
+        </a:ln>
+        <a:ln w="25400" cap="flat" cmpd="sng" algn="ctr">
+          <a:solidFill>
+            <a:schemeClr val="phClr"/>
+          </a:solidFill>
+          <a:prstDash val="solid"/>
+        </a:ln>
+        <a:ln w="38100" cap="flat" cmpd="sng" algn="ctr">
+          <a:solidFill>
+            <a:schemeClr val="phClr"/>
+          </a:solidFill>
+          <a:prstDash val="solid"/>
+        </a:ln>
+      </a:lnStyleLst>
+      <a:effectStyleLst>
+        <a:effectStyle>
+          <a:effectLst>
+            <a:outerShdw blurRad="40000" dist="20000" dir="5400000" rotWithShape="0">
+              <a:srgbClr val="000000">
+                <a:alpha val="38000"/>
+              </a:srgbClr>
+            </a:outerShdw>
+          </a:effectLst>
+        </a:effectStyle>
+        <a:effectStyle>
+          <a:effectLst>
+            <a:outerShdw blurRad="40000" dist="23000" dir="5400000" rotWithShape="0">
+              <a:srgbClr val="000000">
+                <a:alpha val="35000"/>
+              </a:srgbClr>
+            </a:outerShdw>
+          </a:effectLst>
+        </a:effectStyle>
+        <a:effectStyle>
+          <a:effectLst>
+            <a:outerShdw blurRad="40000" dist="23000" dir="5400000" rotWithShape="0">
+              <a:srgbClr val="000000">
+                <a:alpha val="35000"/>
+              </a:srgbClr>
+            </a:outerShdw>
+          </a:effectLst>
+          <a:scene3d>
+            <a:camera prst="orthographicFront">
+              <a:rot lat="0" lon="0" rev="0"/>
+            </a:camera>
+            <a:lightRig rig="threePt" dir="t">
+              <a:rot lat="0" lon="0" rev="1200000"/>
+            </a:lightRig>
+          </a:scene3d>
+          <a:sp3d>
+            <a:bevelT w="63500" h="25400"/>
+          </a:sp3d>
+        </a:effectStyle>
+      </a:effectStyleLst>
+      <a:bgFillStyleLst>
+        <a:solidFill>
+          <a:schemeClr val="phClr"/>
+        </a:solidFill>
+        <a:gradFill rotWithShape="1">
+          <a:gsLst>
+            <a:gs pos="0">
+              <a:schemeClr val="phClr">
+                <a:tint val="40000"/>
+                <a:satMod val="350000"/>
+              </a:schemeClr>
+            </a:gs>
+            <a:gs pos="40000">
+              <a:schemeClr val="phClr">
+                <a:tint val="45000"/>
+                <a:shade val="99000"/>
+                <a:satMod val="350000"/>
+              </a:schemeClr>
+            </a:gs>
+            <a:gs pos="100000">
+              <a:schemeClr val="phClr">
+                <a:shade val="20000"/>
+                <a:satMod val="255000"/>
+              </a:schemeClr>
+            </a:gs>
+          </a:gsLst>
+          <a:path path="circle">
+            <a:fillToRect l="50000" t="-80000" r="50000" b="180000"/>
+          </a:path>
+        </a:gradFill>
+        <a:gradFill rotWithShape="1">
+          <a:gsLst>
+            <a:gs pos="0">
+              <a:schemeClr val="phClr">
+                <a:tint val="80000"/>
+                <a:satMod val="300000"/>
+              </a:schemeClr>
+            </a:gs>
+            <a:gs pos="100000">
+              <a:schemeClr val="phClr">
+                <a:shade val="30000"/>
+                <a:satMod val="200000"/>
+              </a:schemeClr>
+            </a:gs>
+          </a:gsLst>
+          <a:path path="circle">
+            <a:fillToRect l="50000" t="50000" r="50000" b="50000"/>
+          </a:path>
+        </a:gradFill>
+      </a:bgFillStyleLst>
+    </a:fmtScheme>
+  </a:themeElements>
+  <a:objectDefaults>
+    <a:spDef>
+      <a:spPr/>
+      <a:bodyPr/>
+      <a:lstStyle/>
+      <a:style>
+        <a:lnRef idx="1">
+          <a:schemeClr val="accent1"/>
+        </a:lnRef>
+        <a:fillRef idx="3">
+          <a:schemeClr val="accent1"/>
+        </a:fillRef>
+        <a:effectRef idx="2">
+          <a:schemeClr val="accent1"/>
+        </a:effectRef>
+        <a:fontRef idx="minor">
+          <a:schemeClr val="lt1"/>
+        </a:fontRef>
+      </a:style>
+    </a:spDef>
+    <a:lnDef>
+      <a:spPr/>
+      <a:bodyPr/>
+      <a:lstStyle/>
+      <a:style>
+        <a:lnRef idx="2">
+          <a:schemeClr val="accent1"/>
+        </a:lnRef>
+        <a:fillRef idx="0">
+          <a:schemeClr val="accent1"/>
+        </a:fillRef>
+        <a:effectRef idx="1">
+          <a:schemeClr val="accent1"/>
+        </a:effectRef>
+        <a:fontRef idx="minor">
+          <a:schemeClr val="tx1"/>
+        </a:fontRef>
+      </a:style>
+    </a:lnDef>
+  </a:objectDefaults>
+  <a:extraClrSchemeLst/>
+</a:theme>
 </file>